--- a/Eindpresentatie mapje/Alpha Consultants Powerpoint Presentatie.pptx
+++ b/Eindpresentatie mapje/Alpha Consultants Powerpoint Presentatie.pptx
@@ -112,6 +112,11 @@
       </a:defRPr>
     </a:lvl9pPr>
   </p:defaultTextStyle>
+  <p:extLst>
+    <p:ext uri="{EFAFB233-063F-42B5-8137-9DF3F51BA10A}">
+      <p15:sldGuideLst xmlns:p15="http://schemas.microsoft.com/office/powerpoint/2012/main"/>
+    </p:ext>
+  </p:extLst>
 </p:presentation>
 </file>
 
@@ -222,7 +227,7 @@
           <a:effectLst/>
           <a:extLst>
             <a:ext uri="{91240B29-F687-4f45-9708-019B960494DF}">
-              <a14:hiddenLine xmlns:a14="http://schemas.microsoft.com/office/drawing/2010/main" xmlns="" w="9525">
+              <a14:hiddenLine xmlns="" xmlns:a14="http://schemas.microsoft.com/office/drawing/2010/main" w="9525">
                 <a:solidFill>
                   <a:srgbClr val="000000"/>
                 </a:solidFill>
@@ -415,7 +420,7 @@
             <a:fld id="{08B9EBBA-996F-894A-B54A-D6246ED52CEA}" type="datetimeFigureOut">
               <a:rPr lang="en-US" dirty="0"/>
               <a:pPr/>
-              <a:t>1/19/2021</a:t>
+              <a:t>1/20/2021</a:t>
             </a:fld>
             <a:endParaRPr lang="en-US" dirty="0"/>
           </a:p>
@@ -730,7 +735,7 @@
             <a:fld id="{18C79C5D-2A6F-F04D-97DA-BEF2467B64E4}" type="datetimeFigureOut">
               <a:rPr lang="en-US" dirty="0"/>
               <a:pPr/>
-              <a:t>1/19/2021</a:t>
+              <a:t>1/20/2021</a:t>
             </a:fld>
             <a:endParaRPr lang="en-US" dirty="0"/>
           </a:p>
@@ -1215,7 +1220,7 @@
             <a:fld id="{8DFA1846-DA80-1C48-A609-854EA85C59AD}" type="datetimeFigureOut">
               <a:rPr lang="en-US" dirty="0"/>
               <a:pPr/>
-              <a:t>1/19/2021</a:t>
+              <a:t>1/20/2021</a:t>
             </a:fld>
             <a:endParaRPr lang="en-US" dirty="0"/>
           </a:p>
@@ -1581,7 +1586,7 @@
             <a:fld id="{FBF54567-0DE4-3F47-BF90-CB84690072F9}" type="datetimeFigureOut">
               <a:rPr lang="en-US" dirty="0"/>
               <a:pPr/>
-              <a:t>1/19/2021</a:t>
+              <a:t>1/20/2021</a:t>
             </a:fld>
             <a:endParaRPr lang="en-US" dirty="0"/>
           </a:p>
@@ -1732,7 +1737,7 @@
           <a:ln/>
           <a:extLst>
             <a:ext uri="{91240B29-F687-4f45-9708-019B960494DF}">
-              <a14:hiddenLine xmlns:a14="http://schemas.microsoft.com/office/drawing/2010/main" xmlns="" w="9525">
+              <a14:hiddenLine xmlns="" xmlns:a14="http://schemas.microsoft.com/office/drawing/2010/main" w="9525">
                 <a:solidFill>
                   <a:srgbClr val="000000"/>
                 </a:solidFill>
@@ -1851,7 +1856,7 @@
             <a:fld id="{C6C52C72-DE31-F449-A4ED-4C594FD91407}" type="datetimeFigureOut">
               <a:rPr lang="en-US" dirty="0"/>
               <a:pPr/>
-              <a:t>1/19/2021</a:t>
+              <a:t>1/20/2021</a:t>
             </a:fld>
             <a:endParaRPr lang="en-US" dirty="0"/>
           </a:p>
@@ -2004,7 +2009,7 @@
           <a:ln/>
           <a:extLst>
             <a:ext uri="{91240B29-F687-4f45-9708-019B960494DF}">
-              <a14:hiddenLine xmlns:a14="http://schemas.microsoft.com/office/drawing/2010/main" xmlns="" w="9525">
+              <a14:hiddenLine xmlns="" xmlns:a14="http://schemas.microsoft.com/office/drawing/2010/main" w="9525">
                 <a:solidFill>
                   <a:srgbClr val="000000"/>
                 </a:solidFill>
@@ -2133,7 +2138,7 @@
             <a:fld id="{ED62726E-379B-B349-9EED-81ED093FA806}" type="datetimeFigureOut">
               <a:rPr lang="en-US" dirty="0"/>
               <a:pPr/>
-              <a:t>1/19/2021</a:t>
+              <a:t>1/20/2021</a:t>
             </a:fld>
             <a:endParaRPr lang="en-US" dirty="0"/>
           </a:p>
@@ -2284,7 +2289,7 @@
           <a:ln/>
           <a:extLst>
             <a:ext uri="{91240B29-F687-4f45-9708-019B960494DF}">
-              <a14:hiddenLine xmlns:a14="http://schemas.microsoft.com/office/drawing/2010/main" xmlns="" w="9525">
+              <a14:hiddenLine xmlns="" xmlns:a14="http://schemas.microsoft.com/office/drawing/2010/main" w="9525">
                 <a:solidFill>
                   <a:srgbClr val="000000"/>
                 </a:solidFill>
@@ -2413,7 +2418,7 @@
             <a:fld id="{9B3A1323-8D79-1946-B0D7-40001CF92E9D}" type="datetimeFigureOut">
               <a:rPr lang="en-US" dirty="0"/>
               <a:pPr/>
-              <a:t>1/19/2021</a:t>
+              <a:t>1/20/2021</a:t>
             </a:fld>
             <a:endParaRPr lang="en-US" dirty="0"/>
           </a:p>
@@ -2753,7 +2758,7 @@
             <a:fld id="{8DFA1846-DA80-1C48-A609-854EA85C59AD}" type="datetimeFigureOut">
               <a:rPr lang="en-US" dirty="0"/>
               <a:pPr/>
-              <a:t>1/19/2021</a:t>
+              <a:t>1/20/2021</a:t>
             </a:fld>
             <a:endParaRPr lang="en-US" dirty="0"/>
           </a:p>
@@ -2904,7 +2909,7 @@
           <a:ln/>
           <a:extLst>
             <a:ext uri="{91240B29-F687-4f45-9708-019B960494DF}">
-              <a14:hiddenLine xmlns:a14="http://schemas.microsoft.com/office/drawing/2010/main" xmlns="" w="9525">
+              <a14:hiddenLine xmlns="" xmlns:a14="http://schemas.microsoft.com/office/drawing/2010/main" w="9525">
                 <a:solidFill>
                   <a:srgbClr val="000000"/>
                 </a:solidFill>
@@ -3089,7 +3094,7 @@
             <a:fld id="{57302355-E14B-8545-A8F8-0FE83CC9D524}" type="datetimeFigureOut">
               <a:rPr lang="en-US" dirty="0"/>
               <a:pPr/>
-              <a:t>1/19/2021</a:t>
+              <a:t>1/20/2021</a:t>
             </a:fld>
             <a:endParaRPr lang="en-US" dirty="0"/>
           </a:p>
@@ -3240,7 +3245,7 @@
           <a:ln/>
           <a:extLst>
             <a:ext uri="{91240B29-F687-4f45-9708-019B960494DF}">
-              <a14:hiddenLine xmlns:a14="http://schemas.microsoft.com/office/drawing/2010/main" xmlns="" w="9525">
+              <a14:hiddenLine xmlns="" xmlns:a14="http://schemas.microsoft.com/office/drawing/2010/main" w="9525">
                 <a:solidFill>
                   <a:srgbClr val="000000"/>
                 </a:solidFill>
@@ -3563,7 +3568,7 @@
             <a:fld id="{02640F58-564D-2B4F-AE67-E407BA4FCF45}" type="datetimeFigureOut">
               <a:rPr lang="en-US" dirty="0"/>
               <a:pPr/>
-              <a:t>1/19/2021</a:t>
+              <a:t>1/20/2021</a:t>
             </a:fld>
             <a:endParaRPr lang="en-US" dirty="0"/>
           </a:p>
@@ -3714,7 +3719,7 @@
           <a:ln/>
           <a:extLst>
             <a:ext uri="{91240B29-F687-4f45-9708-019B960494DF}">
-              <a14:hiddenLine xmlns:a14="http://schemas.microsoft.com/office/drawing/2010/main" xmlns="" w="9525">
+              <a14:hiddenLine xmlns="" xmlns:a14="http://schemas.microsoft.com/office/drawing/2010/main" w="9525">
                 <a:solidFill>
                   <a:srgbClr val="000000"/>
                 </a:solidFill>
@@ -3781,7 +3786,7 @@
             <a:fld id="{F13A34C8-038E-2045-AF43-DF7DBB8E0E9E}" type="datetimeFigureOut">
               <a:rPr lang="en-US" dirty="0"/>
               <a:pPr/>
-              <a:t>1/19/2021</a:t>
+              <a:t>1/20/2021</a:t>
             </a:fld>
             <a:endParaRPr lang="en-US" dirty="0"/>
           </a:p>
@@ -3873,7 +3878,7 @@
             <a:fld id="{8818C68F-D26B-8F47-958C-23B49CF8A634}" type="datetimeFigureOut">
               <a:rPr lang="en-US" dirty="0"/>
               <a:pPr/>
-              <a:t>1/19/2021</a:t>
+              <a:t>1/20/2021</a:t>
             </a:fld>
             <a:endParaRPr lang="en-US" dirty="0"/>
           </a:p>
@@ -4137,7 +4142,7 @@
           <a:ln/>
           <a:extLst>
             <a:ext uri="{91240B29-F687-4f45-9708-019B960494DF}">
-              <a14:hiddenLine xmlns:a14="http://schemas.microsoft.com/office/drawing/2010/main" xmlns="" w="9525">
+              <a14:hiddenLine xmlns="" xmlns:a14="http://schemas.microsoft.com/office/drawing/2010/main" w="9525">
                 <a:solidFill>
                   <a:srgbClr val="000000"/>
                 </a:solidFill>
@@ -4337,7 +4342,7 @@
             <a:fld id="{D0DF5E60-9974-AC48-9591-99C2BB44B7CF}" type="datetimeFigureOut">
               <a:rPr lang="en-US" dirty="0"/>
               <a:pPr/>
-              <a:t>1/19/2021</a:t>
+              <a:t>1/20/2021</a:t>
             </a:fld>
             <a:endParaRPr lang="en-US" dirty="0"/>
           </a:p>
@@ -4647,7 +4652,7 @@
             <a:fld id="{18C79C5D-2A6F-F04D-97DA-BEF2467B64E4}" type="datetimeFigureOut">
               <a:rPr lang="en-US" dirty="0"/>
               <a:pPr/>
-              <a:t>1/19/2021</a:t>
+              <a:t>1/20/2021</a:t>
             </a:fld>
             <a:endParaRPr lang="en-US" dirty="0"/>
           </a:p>
@@ -4914,7 +4919,7 @@
             <a:fld id="{09B482E8-6E0E-1B4F-B1FD-C69DB9E858D9}" type="datetimeFigureOut">
               <a:rPr lang="en-US" dirty="0"/>
               <a:pPr/>
-              <a:t>1/19/2021</a:t>
+              <a:t>1/20/2021</a:t>
             </a:fld>
             <a:endParaRPr lang="en-US" dirty="0"/>
           </a:p>
@@ -5941,6 +5946,36 @@
           </a:p>
         </p:txBody>
       </p:sp>
+      <p:pic>
+        <p:nvPicPr>
+          <p:cNvPr id="4" name="Afbeelding 3">
+            <a:extLst>
+              <a:ext uri="{FF2B5EF4-FFF2-40B4-BE49-F238E27FC236}">
+                <a16:creationId xmlns:a16="http://schemas.microsoft.com/office/drawing/2014/main" id="{D00D54DE-9253-4A89-98BB-7BA411BB0D02}"/>
+              </a:ext>
+            </a:extLst>
+          </p:cNvPr>
+          <p:cNvPicPr>
+            <a:picLocks noChangeAspect="1"/>
+          </p:cNvPicPr>
+          <p:nvPr/>
+        </p:nvPicPr>
+        <p:blipFill>
+          <a:blip r:embed="rId6"/>
+          <a:stretch>
+            <a:fillRect/>
+          </a:stretch>
+        </p:blipFill>
+        <p:spPr>
+          <a:xfrm>
+            <a:off x="8877631" y="123778"/>
+            <a:ext cx="2978619" cy="1646330"/>
+          </a:xfrm>
+          <a:prstGeom prst="rect">
+            <a:avLst/>
+          </a:prstGeom>
+        </p:spPr>
+      </p:pic>
     </p:spTree>
     <p:extLst>
       <p:ext uri="{BB962C8B-B14F-4D97-AF65-F5344CB8AC3E}">

--- a/Eindpresentatie mapje/Alpha Consultants Powerpoint Presentatie.pptx
+++ b/Eindpresentatie mapje/Alpha Consultants Powerpoint Presentatie.pptx
@@ -122,7 +122,7 @@
 
 <file path=ppt/commentAuthors.xml><?xml version="1.0" encoding="utf-8"?>
 <p:cmAuthorLst xmlns:a="http://schemas.openxmlformats.org/drawingml/2006/main" xmlns:r="http://schemas.openxmlformats.org/officeDocument/2006/relationships" xmlns:p="http://schemas.openxmlformats.org/presentationml/2006/main">
-  <p:cmAuthor id="1" name="Chaim" initials="C" lastIdx="1" clrIdx="0">
+  <p:cmAuthor id="1" name="Chaim" initials="C" lastIdx="2" clrIdx="0">
     <p:extLst>
       <p:ext uri="{19B8F6BF-5375-455C-9EA6-DF929625EA0E}">
         <p15:presenceInfo xmlns:p15="http://schemas.microsoft.com/office/powerpoint/2012/main" userId="df7f23d069122a3e" providerId="Windows Live"/>
@@ -130,6 +130,20 @@
     </p:extLst>
   </p:cmAuthor>
 </p:cmAuthorLst>
+</file>
+
+<file path=ppt/comments/comment1.xml><?xml version="1.0" encoding="utf-8"?>
+<p:cmLst xmlns:a="http://schemas.openxmlformats.org/drawingml/2006/main" xmlns:r="http://schemas.openxmlformats.org/officeDocument/2006/relationships" xmlns:p="http://schemas.openxmlformats.org/presentationml/2006/main">
+  <p:cm authorId="1" dt="2021-01-20T20:57:34.635" idx="2">
+    <p:pos x="4466" y="2266"/>
+    <p:text/>
+    <p:extLst>
+      <p:ext uri="{C676402C-5697-4E1C-873F-D02D1690AC5C}">
+        <p15:threadingInfo xmlns:p15="http://schemas.microsoft.com/office/powerpoint/2012/main" timeZoneBias="-60"/>
+      </p:ext>
+    </p:extLst>
+  </p:cm>
+</p:cmLst>
 </file>
 
 <file path=ppt/slideLayouts/slideLayout1.xml><?xml version="1.0" encoding="utf-8"?>
@@ -227,7 +241,7 @@
           <a:effectLst/>
           <a:extLst>
             <a:ext uri="{91240B29-F687-4f45-9708-019B960494DF}">
-              <a14:hiddenLine xmlns="" xmlns:a14="http://schemas.microsoft.com/office/drawing/2010/main" w="9525">
+              <a14:hiddenLine xmlns:a14="http://schemas.microsoft.com/office/drawing/2010/main" xmlns="" w="9525">
                 <a:solidFill>
                   <a:srgbClr val="000000"/>
                 </a:solidFill>
@@ -1737,7 +1751,7 @@
           <a:ln/>
           <a:extLst>
             <a:ext uri="{91240B29-F687-4f45-9708-019B960494DF}">
-              <a14:hiddenLine xmlns="" xmlns:a14="http://schemas.microsoft.com/office/drawing/2010/main" w="9525">
+              <a14:hiddenLine xmlns:a14="http://schemas.microsoft.com/office/drawing/2010/main" xmlns="" w="9525">
                 <a:solidFill>
                   <a:srgbClr val="000000"/>
                 </a:solidFill>
@@ -2009,7 +2023,7 @@
           <a:ln/>
           <a:extLst>
             <a:ext uri="{91240B29-F687-4f45-9708-019B960494DF}">
-              <a14:hiddenLine xmlns="" xmlns:a14="http://schemas.microsoft.com/office/drawing/2010/main" w="9525">
+              <a14:hiddenLine xmlns:a14="http://schemas.microsoft.com/office/drawing/2010/main" xmlns="" w="9525">
                 <a:solidFill>
                   <a:srgbClr val="000000"/>
                 </a:solidFill>
@@ -2289,7 +2303,7 @@
           <a:ln/>
           <a:extLst>
             <a:ext uri="{91240B29-F687-4f45-9708-019B960494DF}">
-              <a14:hiddenLine xmlns="" xmlns:a14="http://schemas.microsoft.com/office/drawing/2010/main" w="9525">
+              <a14:hiddenLine xmlns:a14="http://schemas.microsoft.com/office/drawing/2010/main" xmlns="" w="9525">
                 <a:solidFill>
                   <a:srgbClr val="000000"/>
                 </a:solidFill>
@@ -2909,7 +2923,7 @@
           <a:ln/>
           <a:extLst>
             <a:ext uri="{91240B29-F687-4f45-9708-019B960494DF}">
-              <a14:hiddenLine xmlns="" xmlns:a14="http://schemas.microsoft.com/office/drawing/2010/main" w="9525">
+              <a14:hiddenLine xmlns:a14="http://schemas.microsoft.com/office/drawing/2010/main" xmlns="" w="9525">
                 <a:solidFill>
                   <a:srgbClr val="000000"/>
                 </a:solidFill>
@@ -3245,7 +3259,7 @@
           <a:ln/>
           <a:extLst>
             <a:ext uri="{91240B29-F687-4f45-9708-019B960494DF}">
-              <a14:hiddenLine xmlns="" xmlns:a14="http://schemas.microsoft.com/office/drawing/2010/main" w="9525">
+              <a14:hiddenLine xmlns:a14="http://schemas.microsoft.com/office/drawing/2010/main" xmlns="" w="9525">
                 <a:solidFill>
                   <a:srgbClr val="000000"/>
                 </a:solidFill>
@@ -3719,7 +3733,7 @@
           <a:ln/>
           <a:extLst>
             <a:ext uri="{91240B29-F687-4f45-9708-019B960494DF}">
-              <a14:hiddenLine xmlns="" xmlns:a14="http://schemas.microsoft.com/office/drawing/2010/main" w="9525">
+              <a14:hiddenLine xmlns:a14="http://schemas.microsoft.com/office/drawing/2010/main" xmlns="" w="9525">
                 <a:solidFill>
                   <a:srgbClr val="000000"/>
                 </a:solidFill>
@@ -4142,7 +4156,7 @@
           <a:ln/>
           <a:extLst>
             <a:ext uri="{91240B29-F687-4f45-9708-019B960494DF}">
-              <a14:hiddenLine xmlns="" xmlns:a14="http://schemas.microsoft.com/office/drawing/2010/main" w="9525">
+              <a14:hiddenLine xmlns:a14="http://schemas.microsoft.com/office/drawing/2010/main" xmlns="" w="9525">
                 <a:solidFill>
                   <a:srgbClr val="000000"/>
                 </a:solidFill>
@@ -5699,6 +5713,96 @@
           </a:xfrm>
         </p:spPr>
       </p:pic>
+      <p:pic>
+        <p:nvPicPr>
+          <p:cNvPr id="7" name="Afbeelding 6">
+            <a:extLst>
+              <a:ext uri="{FF2B5EF4-FFF2-40B4-BE49-F238E27FC236}">
+                <a16:creationId xmlns:a16="http://schemas.microsoft.com/office/drawing/2014/main" id="{72D071CF-D34C-4EB4-A538-7EB06E488D84}"/>
+              </a:ext>
+            </a:extLst>
+          </p:cNvPr>
+          <p:cNvPicPr>
+            <a:picLocks noChangeAspect="1"/>
+          </p:cNvPicPr>
+          <p:nvPr/>
+        </p:nvPicPr>
+        <p:blipFill>
+          <a:blip r:embed="rId3"/>
+          <a:stretch>
+            <a:fillRect/>
+          </a:stretch>
+        </p:blipFill>
+        <p:spPr>
+          <a:xfrm>
+            <a:off x="100474" y="4766207"/>
+            <a:ext cx="4547303" cy="1984277"/>
+          </a:xfrm>
+          <a:prstGeom prst="rect">
+            <a:avLst/>
+          </a:prstGeom>
+        </p:spPr>
+      </p:pic>
+      <p:pic>
+        <p:nvPicPr>
+          <p:cNvPr id="11" name="Afbeelding 10">
+            <a:extLst>
+              <a:ext uri="{FF2B5EF4-FFF2-40B4-BE49-F238E27FC236}">
+                <a16:creationId xmlns:a16="http://schemas.microsoft.com/office/drawing/2014/main" id="{42EA0176-9526-4F59-A8C4-2756D7D5FD29}"/>
+              </a:ext>
+            </a:extLst>
+          </p:cNvPr>
+          <p:cNvPicPr>
+            <a:picLocks noChangeAspect="1"/>
+          </p:cNvPicPr>
+          <p:nvPr/>
+        </p:nvPicPr>
+        <p:blipFill>
+          <a:blip r:embed="rId4"/>
+          <a:stretch>
+            <a:fillRect/>
+          </a:stretch>
+        </p:blipFill>
+        <p:spPr>
+          <a:xfrm>
+            <a:off x="4822059" y="4766207"/>
+            <a:ext cx="4599639" cy="1984277"/>
+          </a:xfrm>
+          <a:prstGeom prst="rect">
+            <a:avLst/>
+          </a:prstGeom>
+        </p:spPr>
+      </p:pic>
+      <p:pic>
+        <p:nvPicPr>
+          <p:cNvPr id="13" name="Afbeelding 12">
+            <a:extLst>
+              <a:ext uri="{FF2B5EF4-FFF2-40B4-BE49-F238E27FC236}">
+                <a16:creationId xmlns:a16="http://schemas.microsoft.com/office/drawing/2014/main" id="{BB32EC6E-5642-4B26-8959-C85BFA7E3F87}"/>
+              </a:ext>
+            </a:extLst>
+          </p:cNvPr>
+          <p:cNvPicPr>
+            <a:picLocks noChangeAspect="1"/>
+          </p:cNvPicPr>
+          <p:nvPr/>
+        </p:nvPicPr>
+        <p:blipFill>
+          <a:blip r:embed="rId5"/>
+          <a:stretch>
+            <a:fillRect/>
+          </a:stretch>
+        </p:blipFill>
+        <p:spPr>
+          <a:xfrm>
+            <a:off x="9595980" y="4766206"/>
+            <a:ext cx="2416088" cy="1984277"/>
+          </a:xfrm>
+          <a:prstGeom prst="rect">
+            <a:avLst/>
+          </a:prstGeom>
+        </p:spPr>
+      </p:pic>
     </p:spTree>
     <p:extLst>
       <p:ext uri="{BB962C8B-B14F-4D97-AF65-F5344CB8AC3E}">
@@ -5970,6 +6074,36 @@
           <a:xfrm>
             <a:off x="8877631" y="123778"/>
             <a:ext cx="2978619" cy="1646330"/>
+          </a:xfrm>
+          <a:prstGeom prst="rect">
+            <a:avLst/>
+          </a:prstGeom>
+        </p:spPr>
+      </p:pic>
+      <p:pic>
+        <p:nvPicPr>
+          <p:cNvPr id="6" name="Afbeelding 5">
+            <a:extLst>
+              <a:ext uri="{FF2B5EF4-FFF2-40B4-BE49-F238E27FC236}">
+                <a16:creationId xmlns:a16="http://schemas.microsoft.com/office/drawing/2014/main" id="{B8F8FC8D-1E88-4611-BB12-09582EB5C569}"/>
+              </a:ext>
+            </a:extLst>
+          </p:cNvPr>
+          <p:cNvPicPr>
+            <a:picLocks noChangeAspect="1"/>
+          </p:cNvPicPr>
+          <p:nvPr/>
+        </p:nvPicPr>
+        <p:blipFill>
+          <a:blip r:embed="rId7"/>
+          <a:stretch>
+            <a:fillRect/>
+          </a:stretch>
+        </p:blipFill>
+        <p:spPr>
+          <a:xfrm>
+            <a:off x="5587457" y="123778"/>
+            <a:ext cx="3150787" cy="1646330"/>
           </a:xfrm>
           <a:prstGeom prst="rect">
             <a:avLst/>
